--- a/4/4.Программирование_на_Python.pptx
+++ b/4/4.Программирование_на_Python.pptx
@@ -281,7 +281,7 @@
               <a:pPr>
                 <a:defRPr/>
               </a:pPr>
-              <a:t>02.10.2025</a:t>
+              <a:t>03.10.2025</a:t>
             </a:fld>
             <a:endParaRPr lang="ru-RU"/>
           </a:p>
@@ -500,7 +500,7 @@
               <a:pPr>
                 <a:defRPr/>
               </a:pPr>
-              <a:t>02.10.2025</a:t>
+              <a:t>03.10.2025</a:t>
             </a:fld>
             <a:endParaRPr lang="ru-RU"/>
           </a:p>
@@ -19785,7 +19785,6 @@
               <a:rPr lang="ru-RU" sz="4800" dirty="0"/>
               <a:t>сравнения </a:t>
             </a:r>
-            <a:endParaRPr lang="ru-RU" sz="4800" dirty="0"/>
           </a:p>
         </p:txBody>
       </p:sp>
@@ -20467,6 +20466,13 @@
   <p:clrMapOvr>
     <a:masterClrMapping/>
   </p:clrMapOvr>
+  <p:timing>
+    <p:tnLst>
+      <p:par>
+        <p:cTn id="1" dur="indefinite" restart="never" nodeType="tmRoot"/>
+      </p:par>
+    </p:tnLst>
+  </p:timing>
 </p:sld>
 </file>
 
@@ -21216,6 +21222,13 @@
   <p:clrMapOvr>
     <a:masterClrMapping/>
   </p:clrMapOvr>
+  <p:timing>
+    <p:tnLst>
+      <p:par>
+        <p:cTn id="1" dur="indefinite" restart="never" nodeType="tmRoot"/>
+      </p:par>
+    </p:tnLst>
+  </p:timing>
 </p:sld>
 </file>
 
@@ -21877,6 +21890,13 @@
   <p:clrMapOvr>
     <a:masterClrMapping/>
   </p:clrMapOvr>
+  <p:timing>
+    <p:tnLst>
+      <p:par>
+        <p:cTn id="1" dur="indefinite" restart="never" nodeType="tmRoot"/>
+      </p:par>
+    </p:tnLst>
+  </p:timing>
 </p:sld>
 </file>
 
@@ -22422,6 +22442,13 @@
   <p:clrMapOvr>
     <a:masterClrMapping/>
   </p:clrMapOvr>
+  <p:timing>
+    <p:tnLst>
+      <p:par>
+        <p:cTn id="1" dur="indefinite" restart="never" nodeType="tmRoot"/>
+      </p:par>
+    </p:tnLst>
+  </p:timing>
 </p:sld>
 </file>
 
